--- a/SecondPart/Scheduling problem.pptx
+++ b/SecondPart/Scheduling problem.pptx
@@ -8,8 +8,8 @@
     <p:sldId id="256" r:id="rId2"/>
     <p:sldId id="257" r:id="rId3"/>
     <p:sldId id="258" r:id="rId4"/>
-    <p:sldId id="259" r:id="rId5"/>
-    <p:sldId id="263" r:id="rId6"/>
+    <p:sldId id="263" r:id="rId5"/>
+    <p:sldId id="259" r:id="rId6"/>
     <p:sldId id="264" r:id="rId7"/>
     <p:sldId id="260" r:id="rId8"/>
     <p:sldId id="261" r:id="rId9"/>
@@ -279,7 +279,7 @@
           <a:p>
             <a:fld id="{64F0E216-BA48-4F04-AC4F-645AA0DD6AC6}" type="datetimeFigureOut">
               <a:rPr lang="en-US" smtClean="0"/>
-              <a:t>7/22/2024</a:t>
+              <a:t>8/1/24</a:t>
             </a:fld>
             <a:endParaRPr lang="en-US" dirty="0"/>
           </a:p>
@@ -1327,7 +1327,7 @@
           <a:p>
             <a:fld id="{64F0E216-BA48-4F04-AC4F-645AA0DD6AC6}" type="datetimeFigureOut">
               <a:rPr lang="en-US" smtClean="0"/>
-              <a:t>7/22/2024</a:t>
+              <a:t>8/1/24</a:t>
             </a:fld>
             <a:endParaRPr lang="en-US"/>
           </a:p>
@@ -1563,7 +1563,7 @@
           <a:p>
             <a:fld id="{64F0E216-BA48-4F04-AC4F-645AA0DD6AC6}" type="datetimeFigureOut">
               <a:rPr lang="en-US" smtClean="0"/>
-              <a:t>7/22/2024</a:t>
+              <a:t>8/1/24</a:t>
             </a:fld>
             <a:endParaRPr lang="en-US"/>
           </a:p>
@@ -1786,7 +1786,7 @@
           <a:p>
             <a:fld id="{64F0E216-BA48-4F04-AC4F-645AA0DD6AC6}" type="datetimeFigureOut">
               <a:rPr lang="en-US" smtClean="0"/>
-              <a:t>7/22/2024</a:t>
+              <a:t>8/1/24</a:t>
             </a:fld>
             <a:endParaRPr lang="en-US"/>
           </a:p>
@@ -2088,7 +2088,7 @@
           <a:p>
             <a:fld id="{64F0E216-BA48-4F04-AC4F-645AA0DD6AC6}" type="datetimeFigureOut">
               <a:rPr lang="en-US" smtClean="0"/>
-              <a:t>7/22/2024</a:t>
+              <a:t>8/1/24</a:t>
             </a:fld>
             <a:endParaRPr lang="en-US"/>
           </a:p>
@@ -3552,7 +3552,7 @@
           <a:p>
             <a:fld id="{64F0E216-BA48-4F04-AC4F-645AA0DD6AC6}" type="datetimeFigureOut">
               <a:rPr lang="en-US" smtClean="0"/>
-              <a:t>7/22/2024</a:t>
+              <a:t>8/1/24</a:t>
             </a:fld>
             <a:endParaRPr lang="en-US"/>
           </a:p>
@@ -4019,7 +4019,7 @@
           <a:p>
             <a:fld id="{64F0E216-BA48-4F04-AC4F-645AA0DD6AC6}" type="datetimeFigureOut">
               <a:rPr lang="en-US" smtClean="0"/>
-              <a:t>7/22/2024</a:t>
+              <a:t>8/1/24</a:t>
             </a:fld>
             <a:endParaRPr lang="en-US"/>
           </a:p>
@@ -4194,7 +4194,7 @@
           <a:p>
             <a:fld id="{64F0E216-BA48-4F04-AC4F-645AA0DD6AC6}" type="datetimeFigureOut">
               <a:rPr lang="en-US" smtClean="0"/>
-              <a:t>7/22/2024</a:t>
+              <a:t>8/1/24</a:t>
             </a:fld>
             <a:endParaRPr lang="en-US"/>
           </a:p>
@@ -4331,7 +4331,7 @@
           <a:p>
             <a:fld id="{64F0E216-BA48-4F04-AC4F-645AA0DD6AC6}" type="datetimeFigureOut">
               <a:rPr lang="en-US" smtClean="0"/>
-              <a:t>7/22/2024</a:t>
+              <a:t>8/1/24</a:t>
             </a:fld>
             <a:endParaRPr lang="en-US"/>
           </a:p>
@@ -4681,7 +4681,7 @@
           <a:p>
             <a:fld id="{64F0E216-BA48-4F04-AC4F-645AA0DD6AC6}" type="datetimeFigureOut">
               <a:rPr lang="en-US" smtClean="0"/>
-              <a:t>7/22/2024</a:t>
+              <a:t>8/1/24</a:t>
             </a:fld>
             <a:endParaRPr lang="en-US"/>
           </a:p>
@@ -5002,7 +5002,7 @@
           <a:p>
             <a:fld id="{64F0E216-BA48-4F04-AC4F-645AA0DD6AC6}" type="datetimeFigureOut">
               <a:rPr lang="en-US" smtClean="0"/>
-              <a:t>7/22/2024</a:t>
+              <a:t>8/1/24</a:t>
             </a:fld>
             <a:endParaRPr lang="en-US"/>
           </a:p>
@@ -5264,7 +5264,7 @@
             <a:fld id="{64F0E216-BA48-4F04-AC4F-645AA0DD6AC6}" type="datetimeFigureOut">
               <a:rPr lang="en-US" smtClean="0"/>
               <a:pPr/>
-              <a:t>7/22/2024</a:t>
+              <a:t>8/1/24</a:t>
             </a:fld>
             <a:endParaRPr lang="en-US" dirty="0"/>
           </a:p>
@@ -6651,367 +6651,6 @@
 <file path=ppt/slides/slide4.xml><?xml version="1.0" encoding="utf-8"?>
 <p:sld xmlns:a="http://schemas.openxmlformats.org/drawingml/2006/main" xmlns:r="http://schemas.openxmlformats.org/officeDocument/2006/relationships" xmlns:p="http://schemas.openxmlformats.org/presentationml/2006/main">
   <p:cSld>
-    <p:spTree>
-      <p:nvGrpSpPr>
-        <p:cNvPr id="1" name=""/>
-        <p:cNvGrpSpPr/>
-        <p:nvPr/>
-      </p:nvGrpSpPr>
-      <p:grpSpPr>
-        <a:xfrm>
-          <a:off x="0" y="0"/>
-          <a:ext cx="0" cy="0"/>
-          <a:chOff x="0" y="0"/>
-          <a:chExt cx="0" cy="0"/>
-        </a:xfrm>
-      </p:grpSpPr>
-      <p:sp>
-        <p:nvSpPr>
-          <p:cNvPr id="2" name="Titolo 1">
-            <a:extLst>
-              <a:ext uri="{FF2B5EF4-FFF2-40B4-BE49-F238E27FC236}">
-                <a16:creationId xmlns:a16="http://schemas.microsoft.com/office/drawing/2014/main" id="{5775570B-8B48-A604-3265-CE3F2554CCDA}"/>
-              </a:ext>
-            </a:extLst>
-          </p:cNvPr>
-          <p:cNvSpPr>
-            <a:spLocks noGrp="1"/>
-          </p:cNvSpPr>
-          <p:nvPr>
-            <p:ph type="title"/>
-          </p:nvPr>
-        </p:nvSpPr>
-        <p:spPr/>
-        <p:txBody>
-          <a:bodyPr/>
-          <a:lstStyle/>
-          <a:p>
-            <a:r>
-              <a:rPr lang="it-IT" dirty="0"/>
-              <a:t>Johnson </a:t>
-            </a:r>
-            <a:r>
-              <a:rPr lang="it-IT" dirty="0" err="1"/>
-              <a:t>algorithm</a:t>
-            </a:r>
-            <a:r>
-              <a:rPr lang="it-IT" dirty="0"/>
-              <a:t> </a:t>
-            </a:r>
-            <a:r>
-              <a:rPr lang="it-IT" dirty="0" err="1"/>
-              <a:t>implementation</a:t>
-            </a:r>
-            <a:endParaRPr lang="it-IT" dirty="0"/>
-          </a:p>
-        </p:txBody>
-      </p:sp>
-      <p:sp>
-        <p:nvSpPr>
-          <p:cNvPr id="3" name="Segnaposto contenuto 2">
-            <a:extLst>
-              <a:ext uri="{FF2B5EF4-FFF2-40B4-BE49-F238E27FC236}">
-                <a16:creationId xmlns:a16="http://schemas.microsoft.com/office/drawing/2014/main" id="{939EC922-4687-B846-79F5-3642336D4DF1}"/>
-              </a:ext>
-            </a:extLst>
-          </p:cNvPr>
-          <p:cNvSpPr>
-            <a:spLocks noGrp="1"/>
-          </p:cNvSpPr>
-          <p:nvPr>
-            <p:ph idx="1"/>
-          </p:nvPr>
-        </p:nvSpPr>
-        <p:spPr/>
-        <p:txBody>
-          <a:bodyPr>
-            <a:normAutofit lnSpcReduction="10000"/>
-          </a:bodyPr>
-          <a:lstStyle/>
-          <a:p>
-            <a:pPr marL="0" indent="0">
-              <a:buNone/>
-            </a:pPr>
-            <a:r>
-              <a:rPr lang="it-IT" dirty="0" err="1"/>
-              <a:t>It</a:t>
-            </a:r>
-            <a:r>
-              <a:rPr lang="it-IT" dirty="0"/>
-              <a:t> </a:t>
-            </a:r>
-            <a:r>
-              <a:rPr lang="it-IT" dirty="0" err="1"/>
-              <a:t>minimizes</a:t>
-            </a:r>
-            <a:r>
-              <a:rPr lang="it-IT" dirty="0"/>
-              <a:t> the flow time </a:t>
-            </a:r>
-            <a:r>
-              <a:rPr lang="it-IT" dirty="0" err="1"/>
-              <a:t>through</a:t>
-            </a:r>
-            <a:r>
-              <a:rPr lang="it-IT" dirty="0"/>
-              <a:t> the 2 machines:</a:t>
-            </a:r>
-          </a:p>
-          <a:p>
-            <a:pPr marL="457200" indent="-457200">
-              <a:buFont typeface="+mj-lt"/>
-              <a:buAutoNum type="arabicPeriod"/>
-            </a:pPr>
-            <a:r>
-              <a:rPr lang="it-IT" dirty="0"/>
-              <a:t>K = 1; l=n</a:t>
-            </a:r>
-          </a:p>
-          <a:p>
-            <a:pPr marL="457200" indent="-457200">
-              <a:buFont typeface="+mj-lt"/>
-              <a:buAutoNum type="arabicPeriod"/>
-            </a:pPr>
-            <a:r>
-              <a:rPr lang="it-IT" dirty="0" err="1"/>
-              <a:t>Unscheduled</a:t>
-            </a:r>
-            <a:r>
-              <a:rPr lang="it-IT" dirty="0"/>
-              <a:t> jobs = {J1, …, </a:t>
-            </a:r>
-            <a:r>
-              <a:rPr lang="it-IT" dirty="0" err="1"/>
-              <a:t>Jn</a:t>
-            </a:r>
-            <a:r>
-              <a:rPr lang="it-IT" dirty="0"/>
-              <a:t>}</a:t>
-            </a:r>
-          </a:p>
-          <a:p>
-            <a:pPr marL="457200" indent="-457200">
-              <a:buFont typeface="+mj-lt"/>
-              <a:buAutoNum type="arabicPeriod"/>
-            </a:pPr>
-            <a:r>
-              <a:rPr lang="it-IT" dirty="0" err="1"/>
-              <a:t>Find</a:t>
-            </a:r>
-            <a:r>
-              <a:rPr lang="it-IT" dirty="0"/>
-              <a:t> the min </a:t>
-            </a:r>
-            <a:r>
-              <a:rPr lang="it-IT" dirty="0" err="1"/>
-              <a:t>between</a:t>
-            </a:r>
-            <a:r>
-              <a:rPr lang="it-IT" dirty="0"/>
-              <a:t> ai and bi</a:t>
-            </a:r>
-          </a:p>
-          <a:p>
-            <a:pPr marL="457200" indent="-457200">
-              <a:buFont typeface="+mj-lt"/>
-              <a:buAutoNum type="arabicPeriod"/>
-            </a:pPr>
-            <a:r>
-              <a:rPr lang="it-IT" dirty="0" err="1"/>
-              <a:t>If</a:t>
-            </a:r>
-            <a:r>
-              <a:rPr lang="it-IT" dirty="0"/>
-              <a:t> the min </a:t>
-            </a:r>
-            <a:r>
-              <a:rPr lang="it-IT" dirty="0" err="1"/>
-              <a:t>is</a:t>
-            </a:r>
-            <a:r>
-              <a:rPr lang="it-IT" dirty="0"/>
-              <a:t> ai </a:t>
-            </a:r>
-            <a:r>
-              <a:rPr lang="it-IT" dirty="0" err="1"/>
-              <a:t>we</a:t>
-            </a:r>
-            <a:r>
-              <a:rPr lang="it-IT" dirty="0"/>
-              <a:t> put the </a:t>
-            </a:r>
-            <a:r>
-              <a:rPr lang="it-IT" dirty="0" err="1"/>
-              <a:t>corresponding</a:t>
-            </a:r>
-            <a:r>
-              <a:rPr lang="it-IT" dirty="0"/>
-              <a:t> job </a:t>
-            </a:r>
-            <a:r>
-              <a:rPr lang="it-IT" dirty="0" err="1"/>
-              <a:t>Ji</a:t>
-            </a:r>
-            <a:r>
-              <a:rPr lang="it-IT" dirty="0"/>
-              <a:t>  in position k of the scheduling jobs, </a:t>
-            </a:r>
-            <a:r>
-              <a:rPr lang="it-IT" dirty="0" err="1"/>
-              <a:t>we</a:t>
-            </a:r>
-            <a:r>
-              <a:rPr lang="it-IT" dirty="0"/>
-              <a:t> delete </a:t>
-            </a:r>
-            <a:r>
-              <a:rPr lang="it-IT" dirty="0" err="1"/>
-              <a:t>Ji</a:t>
-            </a:r>
-            <a:r>
-              <a:rPr lang="it-IT" dirty="0"/>
-              <a:t> from </a:t>
-            </a:r>
-            <a:r>
-              <a:rPr lang="it-IT" dirty="0" err="1"/>
-              <a:t>unscheduled</a:t>
-            </a:r>
-            <a:r>
-              <a:rPr lang="it-IT" dirty="0"/>
-              <a:t> jobs, k = k+1, go to 6)</a:t>
-            </a:r>
-          </a:p>
-          <a:p>
-            <a:pPr marL="457200" indent="-457200">
-              <a:buFont typeface="+mj-lt"/>
-              <a:buAutoNum type="arabicPeriod"/>
-            </a:pPr>
-            <a:r>
-              <a:rPr lang="it-IT" dirty="0" err="1"/>
-              <a:t>If</a:t>
-            </a:r>
-            <a:r>
-              <a:rPr lang="it-IT" dirty="0"/>
-              <a:t> the min </a:t>
-            </a:r>
-            <a:r>
-              <a:rPr lang="it-IT" dirty="0" err="1"/>
-              <a:t>is</a:t>
-            </a:r>
-            <a:r>
-              <a:rPr lang="it-IT" dirty="0"/>
-              <a:t> bi </a:t>
-            </a:r>
-            <a:r>
-              <a:rPr lang="it-IT" dirty="0" err="1"/>
-              <a:t>we</a:t>
-            </a:r>
-            <a:r>
-              <a:rPr lang="it-IT" dirty="0"/>
-              <a:t> put </a:t>
-            </a:r>
-            <a:r>
-              <a:rPr lang="it-IT" dirty="0" err="1"/>
-              <a:t>Ji</a:t>
-            </a:r>
-            <a:r>
-              <a:rPr lang="it-IT" dirty="0"/>
-              <a:t> in position I of </a:t>
-            </a:r>
-            <a:r>
-              <a:rPr lang="it-IT" dirty="0" err="1"/>
-              <a:t>scheduled</a:t>
-            </a:r>
-            <a:r>
-              <a:rPr lang="it-IT" dirty="0"/>
-              <a:t> jobs, I = I -1, go to 6)</a:t>
-            </a:r>
-          </a:p>
-          <a:p>
-            <a:pPr marL="457200" indent="-457200">
-              <a:buFont typeface="+mj-lt"/>
-              <a:buAutoNum type="arabicPeriod"/>
-            </a:pPr>
-            <a:r>
-              <a:rPr lang="it-IT" dirty="0" err="1"/>
-              <a:t>If</a:t>
-            </a:r>
-            <a:r>
-              <a:rPr lang="it-IT" dirty="0"/>
-              <a:t> the list of </a:t>
-            </a:r>
-            <a:r>
-              <a:rPr lang="it-IT" dirty="0" err="1"/>
-              <a:t>unscheduled</a:t>
-            </a:r>
-            <a:r>
-              <a:rPr lang="it-IT" dirty="0"/>
-              <a:t> jobs </a:t>
-            </a:r>
-            <a:r>
-              <a:rPr lang="it-IT" dirty="0" err="1"/>
-              <a:t>is</a:t>
-            </a:r>
-            <a:r>
-              <a:rPr lang="it-IT" dirty="0"/>
-              <a:t> </a:t>
-            </a:r>
-            <a:r>
-              <a:rPr lang="it-IT" dirty="0" err="1"/>
-              <a:t>not</a:t>
-            </a:r>
-            <a:r>
-              <a:rPr lang="it-IT" dirty="0"/>
-              <a:t> </a:t>
-            </a:r>
-            <a:r>
-              <a:rPr lang="it-IT" dirty="0" err="1"/>
-              <a:t>empty</a:t>
-            </a:r>
-            <a:r>
-              <a:rPr lang="it-IT" dirty="0"/>
-              <a:t> go to 3); else the list of </a:t>
-            </a:r>
-            <a:r>
-              <a:rPr lang="it-IT" dirty="0" err="1"/>
-              <a:t>scheduled</a:t>
-            </a:r>
-            <a:r>
-              <a:rPr lang="it-IT" dirty="0"/>
-              <a:t> jobs </a:t>
-            </a:r>
-            <a:r>
-              <a:rPr lang="it-IT" dirty="0" err="1"/>
-              <a:t>is</a:t>
-            </a:r>
-            <a:r>
-              <a:rPr lang="it-IT" dirty="0"/>
-              <a:t> </a:t>
-            </a:r>
-            <a:r>
-              <a:rPr lang="it-IT" dirty="0" err="1"/>
-              <a:t>optimal</a:t>
-            </a:r>
-            <a:endParaRPr lang="it-IT" dirty="0"/>
-          </a:p>
-        </p:txBody>
-      </p:sp>
-    </p:spTree>
-    <p:extLst>
-      <p:ext uri="{BB962C8B-B14F-4D97-AF65-F5344CB8AC3E}">
-        <p14:creationId xmlns:p14="http://schemas.microsoft.com/office/powerpoint/2010/main" val="453684225"/>
-      </p:ext>
-    </p:extLst>
-  </p:cSld>
-  <p:clrMapOvr>
-    <a:masterClrMapping/>
-  </p:clrMapOvr>
-</p:sld>
-</file>
-
-<file path=ppt/slides/slide5.xml><?xml version="1.0" encoding="utf-8"?>
-<p:sld xmlns:a="http://schemas.openxmlformats.org/drawingml/2006/main" xmlns:r="http://schemas.openxmlformats.org/officeDocument/2006/relationships" xmlns:p="http://schemas.openxmlformats.org/presentationml/2006/main">
-  <p:cSld>
     <p:bg>
       <p:bgPr>
         <a:solidFill>
@@ -7375,7 +7014,7 @@
         </p:blipFill>
         <p:spPr>
           <a:xfrm>
-            <a:off x="541339" y="4020365"/>
+            <a:off x="541339" y="3558002"/>
             <a:ext cx="5421600" cy="1703602"/>
           </a:xfrm>
           <a:prstGeom prst="rect">
@@ -7397,7 +7036,7 @@
           </p:cNvPicPr>
           <p:nvPr/>
         </p:nvPicPr>
-        <p:blipFill>
+        <p:blipFill rotWithShape="1">
           <a:blip r:embed="rId3">
             <a:extLst>
               <a:ext uri="{28A0092B-C50C-407E-A947-70E740481C1C}">
@@ -7405,24 +7044,456 @@
               </a:ext>
             </a:extLst>
           </a:blip>
-          <a:stretch>
-            <a:fillRect/>
-          </a:stretch>
+          <a:srcRect r="57369"/>
+          <a:stretch/>
         </p:blipFill>
         <p:spPr>
           <a:xfrm>
-            <a:off x="6229412" y="3561161"/>
-            <a:ext cx="5421600" cy="2620439"/>
+            <a:off x="7921833" y="3561946"/>
+            <a:ext cx="2311273" cy="2620439"/>
           </a:xfrm>
           <a:prstGeom prst="rect">
             <a:avLst/>
           </a:prstGeom>
         </p:spPr>
       </p:pic>
+      <p:sp>
+        <p:nvSpPr>
+          <p:cNvPr id="4" name="CasellaDiTesto 3">
+            <a:extLst>
+              <a:ext uri="{FF2B5EF4-FFF2-40B4-BE49-F238E27FC236}">
+                <a16:creationId xmlns:a16="http://schemas.microsoft.com/office/drawing/2014/main" id="{E7392A8F-31FD-62F6-2E81-13B6CE1D923F}"/>
+              </a:ext>
+            </a:extLst>
+          </p:cNvPr>
+          <p:cNvSpPr txBox="1"/>
+          <p:nvPr/>
+        </p:nvSpPr>
+        <p:spPr>
+          <a:xfrm>
+            <a:off x="2477535" y="3161006"/>
+            <a:ext cx="1549207" cy="369332"/>
+          </a:xfrm>
+          <a:prstGeom prst="rect">
+            <a:avLst/>
+          </a:prstGeom>
+          <a:noFill/>
+        </p:spPr>
+        <p:txBody>
+          <a:bodyPr wrap="none" rtlCol="0">
+            <a:spAutoFit/>
+          </a:bodyPr>
+          <a:lstStyle/>
+          <a:p>
+            <a:r>
+              <a:rPr lang="it-IT" dirty="0" err="1"/>
+              <a:t>cutted_tubes</a:t>
+            </a:r>
+            <a:endParaRPr lang="it-IT" dirty="0"/>
+          </a:p>
+        </p:txBody>
+      </p:sp>
+      <p:sp>
+        <p:nvSpPr>
+          <p:cNvPr id="6" name="CasellaDiTesto 5">
+            <a:extLst>
+              <a:ext uri="{FF2B5EF4-FFF2-40B4-BE49-F238E27FC236}">
+                <a16:creationId xmlns:a16="http://schemas.microsoft.com/office/drawing/2014/main" id="{C571EA9F-BA46-D90A-4650-5EB35F49B0C7}"/>
+              </a:ext>
+            </a:extLst>
+          </p:cNvPr>
+          <p:cNvSpPr txBox="1"/>
+          <p:nvPr/>
+        </p:nvSpPr>
+        <p:spPr>
+          <a:xfrm>
+            <a:off x="8105888" y="3161006"/>
+            <a:ext cx="1943161" cy="369332"/>
+          </a:xfrm>
+          <a:prstGeom prst="rect">
+            <a:avLst/>
+          </a:prstGeom>
+          <a:noFill/>
+        </p:spPr>
+        <p:txBody>
+          <a:bodyPr wrap="none" rtlCol="0">
+            <a:spAutoFit/>
+          </a:bodyPr>
+          <a:lstStyle/>
+          <a:p>
+            <a:r>
+              <a:rPr lang="it-IT" dirty="0" err="1"/>
+              <a:t>job_assignments</a:t>
+            </a:r>
+            <a:endParaRPr lang="it-IT" dirty="0"/>
+          </a:p>
+        </p:txBody>
+      </p:sp>
     </p:spTree>
     <p:extLst>
       <p:ext uri="{BB962C8B-B14F-4D97-AF65-F5344CB8AC3E}">
         <p14:creationId xmlns:p14="http://schemas.microsoft.com/office/powerpoint/2010/main" val="2032745692"/>
+      </p:ext>
+    </p:extLst>
+  </p:cSld>
+  <p:clrMapOvr>
+    <a:masterClrMapping/>
+  </p:clrMapOvr>
+</p:sld>
+</file>
+
+<file path=ppt/slides/slide5.xml><?xml version="1.0" encoding="utf-8"?>
+<p:sld xmlns:a="http://schemas.openxmlformats.org/drawingml/2006/main" xmlns:r="http://schemas.openxmlformats.org/officeDocument/2006/relationships" xmlns:p="http://schemas.openxmlformats.org/presentationml/2006/main">
+  <p:cSld>
+    <p:spTree>
+      <p:nvGrpSpPr>
+        <p:cNvPr id="1" name=""/>
+        <p:cNvGrpSpPr/>
+        <p:nvPr/>
+      </p:nvGrpSpPr>
+      <p:grpSpPr>
+        <a:xfrm>
+          <a:off x="0" y="0"/>
+          <a:ext cx="0" cy="0"/>
+          <a:chOff x="0" y="0"/>
+          <a:chExt cx="0" cy="0"/>
+        </a:xfrm>
+      </p:grpSpPr>
+      <p:sp>
+        <p:nvSpPr>
+          <p:cNvPr id="2" name="Titolo 1">
+            <a:extLst>
+              <a:ext uri="{FF2B5EF4-FFF2-40B4-BE49-F238E27FC236}">
+                <a16:creationId xmlns:a16="http://schemas.microsoft.com/office/drawing/2014/main" id="{5775570B-8B48-A604-3265-CE3F2554CCDA}"/>
+              </a:ext>
+            </a:extLst>
+          </p:cNvPr>
+          <p:cNvSpPr>
+            <a:spLocks noGrp="1"/>
+          </p:cNvSpPr>
+          <p:nvPr>
+            <p:ph type="title"/>
+          </p:nvPr>
+        </p:nvSpPr>
+        <p:spPr/>
+        <p:txBody>
+          <a:bodyPr/>
+          <a:lstStyle/>
+          <a:p>
+            <a:r>
+              <a:rPr lang="it-IT" dirty="0"/>
+              <a:t>Johnson </a:t>
+            </a:r>
+            <a:r>
+              <a:rPr lang="it-IT" dirty="0" err="1"/>
+              <a:t>algorithm</a:t>
+            </a:r>
+            <a:r>
+              <a:rPr lang="it-IT" dirty="0"/>
+              <a:t> </a:t>
+            </a:r>
+            <a:r>
+              <a:rPr lang="it-IT" dirty="0" err="1"/>
+              <a:t>implementation</a:t>
+            </a:r>
+            <a:endParaRPr lang="it-IT" dirty="0"/>
+          </a:p>
+        </p:txBody>
+      </p:sp>
+      <p:sp>
+        <p:nvSpPr>
+          <p:cNvPr id="3" name="Segnaposto contenuto 2">
+            <a:extLst>
+              <a:ext uri="{FF2B5EF4-FFF2-40B4-BE49-F238E27FC236}">
+                <a16:creationId xmlns:a16="http://schemas.microsoft.com/office/drawing/2014/main" id="{939EC922-4687-B846-79F5-3642336D4DF1}"/>
+              </a:ext>
+            </a:extLst>
+          </p:cNvPr>
+          <p:cNvSpPr>
+            <a:spLocks noGrp="1"/>
+          </p:cNvSpPr>
+          <p:nvPr>
+            <p:ph idx="1"/>
+          </p:nvPr>
+        </p:nvSpPr>
+        <p:spPr/>
+        <p:txBody>
+          <a:bodyPr>
+            <a:normAutofit lnSpcReduction="10000"/>
+          </a:bodyPr>
+          <a:lstStyle/>
+          <a:p>
+            <a:pPr marL="0" indent="0">
+              <a:buNone/>
+            </a:pPr>
+            <a:r>
+              <a:rPr lang="it-IT" dirty="0" err="1"/>
+              <a:t>It</a:t>
+            </a:r>
+            <a:r>
+              <a:rPr lang="it-IT" dirty="0"/>
+              <a:t> </a:t>
+            </a:r>
+            <a:r>
+              <a:rPr lang="it-IT" dirty="0" err="1"/>
+              <a:t>minimizes</a:t>
+            </a:r>
+            <a:r>
+              <a:rPr lang="it-IT" dirty="0"/>
+              <a:t> the flow time </a:t>
+            </a:r>
+            <a:r>
+              <a:rPr lang="it-IT" dirty="0" err="1"/>
+              <a:t>through</a:t>
+            </a:r>
+            <a:r>
+              <a:rPr lang="it-IT" dirty="0"/>
+              <a:t> the 2 machines:</a:t>
+            </a:r>
+          </a:p>
+          <a:p>
+            <a:pPr marL="457200" indent="-457200">
+              <a:buFont typeface="+mj-lt"/>
+              <a:buAutoNum type="arabicPeriod"/>
+            </a:pPr>
+            <a:r>
+              <a:rPr lang="it-IT" dirty="0"/>
+              <a:t>K = 1; l=n</a:t>
+            </a:r>
+          </a:p>
+          <a:p>
+            <a:pPr marL="457200" indent="-457200">
+              <a:buFont typeface="+mj-lt"/>
+              <a:buAutoNum type="arabicPeriod"/>
+            </a:pPr>
+            <a:r>
+              <a:rPr lang="it-IT" dirty="0" err="1"/>
+              <a:t>Unscheduled</a:t>
+            </a:r>
+            <a:r>
+              <a:rPr lang="it-IT" dirty="0"/>
+              <a:t> jobs = {J1, …, </a:t>
+            </a:r>
+            <a:r>
+              <a:rPr lang="it-IT" dirty="0" err="1"/>
+              <a:t>Jn</a:t>
+            </a:r>
+            <a:r>
+              <a:rPr lang="it-IT" dirty="0"/>
+              <a:t>}</a:t>
+            </a:r>
+          </a:p>
+          <a:p>
+            <a:pPr marL="457200" indent="-457200">
+              <a:buFont typeface="+mj-lt"/>
+              <a:buAutoNum type="arabicPeriod"/>
+            </a:pPr>
+            <a:r>
+              <a:rPr lang="it-IT" dirty="0" err="1"/>
+              <a:t>Find</a:t>
+            </a:r>
+            <a:r>
+              <a:rPr lang="it-IT" dirty="0"/>
+              <a:t> the min </a:t>
+            </a:r>
+            <a:r>
+              <a:rPr lang="it-IT" dirty="0" err="1"/>
+              <a:t>between</a:t>
+            </a:r>
+            <a:r>
+              <a:rPr lang="it-IT" dirty="0"/>
+              <a:t> ai and bi</a:t>
+            </a:r>
+          </a:p>
+          <a:p>
+            <a:pPr marL="457200" indent="-457200">
+              <a:buFont typeface="+mj-lt"/>
+              <a:buAutoNum type="arabicPeriod"/>
+            </a:pPr>
+            <a:r>
+              <a:rPr lang="it-IT" dirty="0" err="1"/>
+              <a:t>If</a:t>
+            </a:r>
+            <a:r>
+              <a:rPr lang="it-IT" dirty="0"/>
+              <a:t> the min </a:t>
+            </a:r>
+            <a:r>
+              <a:rPr lang="it-IT" dirty="0" err="1"/>
+              <a:t>is</a:t>
+            </a:r>
+            <a:r>
+              <a:rPr lang="it-IT" dirty="0"/>
+              <a:t> ai </a:t>
+            </a:r>
+            <a:r>
+              <a:rPr lang="it-IT" dirty="0" err="1"/>
+              <a:t>we</a:t>
+            </a:r>
+            <a:r>
+              <a:rPr lang="it-IT" dirty="0"/>
+              <a:t> put the </a:t>
+            </a:r>
+            <a:r>
+              <a:rPr lang="it-IT" dirty="0" err="1"/>
+              <a:t>corresponding</a:t>
+            </a:r>
+            <a:r>
+              <a:rPr lang="it-IT" dirty="0"/>
+              <a:t> job </a:t>
+            </a:r>
+            <a:r>
+              <a:rPr lang="it-IT" dirty="0" err="1"/>
+              <a:t>Ji</a:t>
+            </a:r>
+            <a:r>
+              <a:rPr lang="it-IT" dirty="0"/>
+              <a:t>  in position k of the scheduling jobs, </a:t>
+            </a:r>
+            <a:r>
+              <a:rPr lang="it-IT" dirty="0" err="1"/>
+              <a:t>we</a:t>
+            </a:r>
+            <a:r>
+              <a:rPr lang="it-IT" dirty="0"/>
+              <a:t> delete </a:t>
+            </a:r>
+            <a:r>
+              <a:rPr lang="it-IT" dirty="0" err="1"/>
+              <a:t>Ji</a:t>
+            </a:r>
+            <a:r>
+              <a:rPr lang="it-IT" dirty="0"/>
+              <a:t> from </a:t>
+            </a:r>
+            <a:r>
+              <a:rPr lang="it-IT" dirty="0" err="1"/>
+              <a:t>unscheduled</a:t>
+            </a:r>
+            <a:r>
+              <a:rPr lang="it-IT" dirty="0"/>
+              <a:t> jobs, k = k+1, go to 6)</a:t>
+            </a:r>
+          </a:p>
+          <a:p>
+            <a:pPr marL="457200" indent="-457200">
+              <a:buFont typeface="+mj-lt"/>
+              <a:buAutoNum type="arabicPeriod"/>
+            </a:pPr>
+            <a:r>
+              <a:rPr lang="it-IT" dirty="0" err="1"/>
+              <a:t>If</a:t>
+            </a:r>
+            <a:r>
+              <a:rPr lang="it-IT" dirty="0"/>
+              <a:t> the min </a:t>
+            </a:r>
+            <a:r>
+              <a:rPr lang="it-IT" dirty="0" err="1"/>
+              <a:t>is</a:t>
+            </a:r>
+            <a:r>
+              <a:rPr lang="it-IT" dirty="0"/>
+              <a:t> bi </a:t>
+            </a:r>
+            <a:r>
+              <a:rPr lang="it-IT" dirty="0" err="1"/>
+              <a:t>we</a:t>
+            </a:r>
+            <a:r>
+              <a:rPr lang="it-IT" dirty="0"/>
+              <a:t> put </a:t>
+            </a:r>
+            <a:r>
+              <a:rPr lang="it-IT" dirty="0" err="1"/>
+              <a:t>Ji</a:t>
+            </a:r>
+            <a:r>
+              <a:rPr lang="it-IT" dirty="0"/>
+              <a:t> in position I of </a:t>
+            </a:r>
+            <a:r>
+              <a:rPr lang="it-IT" dirty="0" err="1"/>
+              <a:t>scheduled</a:t>
+            </a:r>
+            <a:r>
+              <a:rPr lang="it-IT" dirty="0"/>
+              <a:t> jobs, I = I -1, go to 6)</a:t>
+            </a:r>
+          </a:p>
+          <a:p>
+            <a:pPr marL="457200" indent="-457200">
+              <a:buFont typeface="+mj-lt"/>
+              <a:buAutoNum type="arabicPeriod"/>
+            </a:pPr>
+            <a:r>
+              <a:rPr lang="it-IT" dirty="0" err="1"/>
+              <a:t>If</a:t>
+            </a:r>
+            <a:r>
+              <a:rPr lang="it-IT" dirty="0"/>
+              <a:t> the list of </a:t>
+            </a:r>
+            <a:r>
+              <a:rPr lang="it-IT" dirty="0" err="1"/>
+              <a:t>unscheduled</a:t>
+            </a:r>
+            <a:r>
+              <a:rPr lang="it-IT" dirty="0"/>
+              <a:t> jobs </a:t>
+            </a:r>
+            <a:r>
+              <a:rPr lang="it-IT" dirty="0" err="1"/>
+              <a:t>is</a:t>
+            </a:r>
+            <a:r>
+              <a:rPr lang="it-IT" dirty="0"/>
+              <a:t> </a:t>
+            </a:r>
+            <a:r>
+              <a:rPr lang="it-IT" dirty="0" err="1"/>
+              <a:t>not</a:t>
+            </a:r>
+            <a:r>
+              <a:rPr lang="it-IT" dirty="0"/>
+              <a:t> </a:t>
+            </a:r>
+            <a:r>
+              <a:rPr lang="it-IT" dirty="0" err="1"/>
+              <a:t>empty</a:t>
+            </a:r>
+            <a:r>
+              <a:rPr lang="it-IT" dirty="0"/>
+              <a:t> go to 3); else the list of </a:t>
+            </a:r>
+            <a:r>
+              <a:rPr lang="it-IT" dirty="0" err="1"/>
+              <a:t>scheduled</a:t>
+            </a:r>
+            <a:r>
+              <a:rPr lang="it-IT" dirty="0"/>
+              <a:t> jobs </a:t>
+            </a:r>
+            <a:r>
+              <a:rPr lang="it-IT" dirty="0" err="1"/>
+              <a:t>is</a:t>
+            </a:r>
+            <a:r>
+              <a:rPr lang="it-IT" dirty="0"/>
+              <a:t> </a:t>
+            </a:r>
+            <a:r>
+              <a:rPr lang="it-IT" dirty="0" err="1"/>
+              <a:t>optimal</a:t>
+            </a:r>
+            <a:endParaRPr lang="it-IT" dirty="0"/>
+          </a:p>
+        </p:txBody>
+      </p:sp>
+    </p:spTree>
+    <p:extLst>
+      <p:ext uri="{BB962C8B-B14F-4D97-AF65-F5344CB8AC3E}">
+        <p14:creationId xmlns:p14="http://schemas.microsoft.com/office/powerpoint/2010/main" val="453684225"/>
       </p:ext>
     </p:extLst>
   </p:cSld>
@@ -7659,15 +7730,7 @@
             </a:pPr>
             <a:r>
               <a:rPr lang="en-US" dirty="0"/>
-              <a:t>This is the output of the program in the </a:t>
-            </a:r>
-            <a:r>
-              <a:rPr lang="en-US" dirty="0" err="1"/>
-              <a:t>commandline</a:t>
-            </a:r>
-            <a:r>
-              <a:rPr lang="en-US" dirty="0"/>
-              <a:t>:</a:t>
+              <a:t>This is the output of the program in the command line:</a:t>
             </a:r>
           </a:p>
           <a:p>
@@ -8179,7 +8242,7 @@
             </a:r>
             <a:r>
               <a:rPr lang="it-IT" sz="1400" dirty="0"/>
-              <a:t>=&gt; </a:t>
+              <a:t> =&gt; </a:t>
             </a:r>
             <a:r>
               <a:rPr lang="it-IT" sz="1400" dirty="0" err="1"/>
@@ -8554,9 +8617,6 @@
           <a:bodyPr/>
           <a:lstStyle/>
           <a:p>
-            <a:pPr marL="0" indent="0">
-              <a:buNone/>
-            </a:pPr>
             <a:r>
               <a:rPr lang="it-IT" dirty="0" err="1"/>
               <a:t>Tubes</a:t>
@@ -8607,9 +8667,6 @@
             </a:r>
           </a:p>
           <a:p>
-            <a:pPr marL="0" indent="0">
-              <a:buNone/>
-            </a:pPr>
             <a:r>
               <a:rPr lang="it-IT" dirty="0" err="1"/>
               <a:t>Tables</a:t>
@@ -8681,9 +8738,6 @@
             <a:endParaRPr lang="it-IT" dirty="0"/>
           </a:p>
           <a:p>
-            <a:pPr marL="0" indent="0">
-              <a:buNone/>
-            </a:pPr>
             <a:r>
               <a:rPr lang="it-IT" dirty="0"/>
               <a:t>The </a:t>
